--- a/Presentazione/2019.02.08_I3_GhilardiniRuberto_Presentazione_Prog2.pptx
+++ b/Presentazione/2019.02.08_I3_GhilardiniRuberto_Presentazione_Prog2.pptx
@@ -459,7 +459,7 @@
           <a:p>
             <a:fld id="{03958766-373D-4E5B-8F66-8490B501128F}" type="datetimeFigureOut">
               <a:rPr lang="it-CH" smtClean="0"/>
-              <a:t>08.02.2019</a:t>
+              <a:t>26.02.2019</a:t>
             </a:fld>
             <a:endParaRPr lang="it-CH"/>
           </a:p>
@@ -557,7 +557,7 @@
           <a:p>
             <a:fld id="{83369F9A-B0E5-473D-85DE-5C194ADC63EA}" type="slidenum">
               <a:rPr lang="it-CH" smtClean="0"/>
-              <a:t>‹N›</a:t>
+              <a:t>‹#›</a:t>
             </a:fld>
             <a:endParaRPr lang="it-CH"/>
           </a:p>
@@ -1547,7 +1547,7 @@
           <a:p>
             <a:fld id="{03958766-373D-4E5B-8F66-8490B501128F}" type="datetimeFigureOut">
               <a:rPr lang="it-CH" smtClean="0"/>
-              <a:t>08.02.2019</a:t>
+              <a:t>26.02.2019</a:t>
             </a:fld>
             <a:endParaRPr lang="it-CH"/>
           </a:p>
@@ -1625,7 +1625,7 @@
           <a:p>
             <a:fld id="{83369F9A-B0E5-473D-85DE-5C194ADC63EA}" type="slidenum">
               <a:rPr lang="it-CH" smtClean="0"/>
-              <a:t>‹N›</a:t>
+              <a:t>‹#›</a:t>
             </a:fld>
             <a:endParaRPr lang="it-CH"/>
           </a:p>
@@ -2527,7 +2527,7 @@
           <a:p>
             <a:fld id="{03958766-373D-4E5B-8F66-8490B501128F}" type="datetimeFigureOut">
               <a:rPr lang="it-CH" smtClean="0"/>
-              <a:t>08.02.2019</a:t>
+              <a:t>26.02.2019</a:t>
             </a:fld>
             <a:endParaRPr lang="it-CH"/>
           </a:p>
@@ -2605,7 +2605,7 @@
           <a:p>
             <a:fld id="{83369F9A-B0E5-473D-85DE-5C194ADC63EA}" type="slidenum">
               <a:rPr lang="it-CH" smtClean="0"/>
-              <a:t>‹N›</a:t>
+              <a:t>‹#›</a:t>
             </a:fld>
             <a:endParaRPr lang="it-CH"/>
           </a:p>
@@ -3661,7 +3661,7 @@
           <a:p>
             <a:fld id="{03958766-373D-4E5B-8F66-8490B501128F}" type="datetimeFigureOut">
               <a:rPr lang="it-CH" smtClean="0"/>
-              <a:t>08.02.2019</a:t>
+              <a:t>26.02.2019</a:t>
             </a:fld>
             <a:endParaRPr lang="it-CH"/>
           </a:p>
@@ -3739,7 +3739,7 @@
           <a:p>
             <a:fld id="{83369F9A-B0E5-473D-85DE-5C194ADC63EA}" type="slidenum">
               <a:rPr lang="it-CH" smtClean="0"/>
-              <a:t>‹N›</a:t>
+              <a:t>‹#›</a:t>
             </a:fld>
             <a:endParaRPr lang="it-CH"/>
           </a:p>
@@ -4694,7 +4694,7 @@
           <a:p>
             <a:fld id="{03958766-373D-4E5B-8F66-8490B501128F}" type="datetimeFigureOut">
               <a:rPr lang="it-CH" smtClean="0"/>
-              <a:t>08.02.2019</a:t>
+              <a:t>26.02.2019</a:t>
             </a:fld>
             <a:endParaRPr lang="it-CH"/>
           </a:p>
@@ -4772,7 +4772,7 @@
           <a:p>
             <a:fld id="{83369F9A-B0E5-473D-85DE-5C194ADC63EA}" type="slidenum">
               <a:rPr lang="it-CH" smtClean="0"/>
-              <a:t>‹N›</a:t>
+              <a:t>‹#›</a:t>
             </a:fld>
             <a:endParaRPr lang="it-CH"/>
           </a:p>
@@ -5354,7 +5354,7 @@
           <a:p>
             <a:fld id="{03958766-373D-4E5B-8F66-8490B501128F}" type="datetimeFigureOut">
               <a:rPr lang="it-CH" smtClean="0"/>
-              <a:t>08.02.2019</a:t>
+              <a:t>26.02.2019</a:t>
             </a:fld>
             <a:endParaRPr lang="it-CH"/>
           </a:p>
@@ -5396,7 +5396,7 @@
           <a:p>
             <a:fld id="{83369F9A-B0E5-473D-85DE-5C194ADC63EA}" type="slidenum">
               <a:rPr lang="it-CH" smtClean="0"/>
-              <a:t>‹N›</a:t>
+              <a:t>‹#›</a:t>
             </a:fld>
             <a:endParaRPr lang="it-CH"/>
           </a:p>
@@ -6215,7 +6215,7 @@
           <a:p>
             <a:fld id="{03958766-373D-4E5B-8F66-8490B501128F}" type="datetimeFigureOut">
               <a:rPr lang="it-CH" smtClean="0"/>
-              <a:t>08.02.2019</a:t>
+              <a:t>26.02.2019</a:t>
             </a:fld>
             <a:endParaRPr lang="it-CH"/>
           </a:p>
@@ -6262,7 +6262,7 @@
           <a:p>
             <a:fld id="{83369F9A-B0E5-473D-85DE-5C194ADC63EA}" type="slidenum">
               <a:rPr lang="it-CH" smtClean="0"/>
-              <a:t>‹N›</a:t>
+              <a:t>‹#›</a:t>
             </a:fld>
             <a:endParaRPr lang="it-CH"/>
           </a:p>
@@ -6405,7 +6405,7 @@
           <a:p>
             <a:fld id="{03958766-373D-4E5B-8F66-8490B501128F}" type="datetimeFigureOut">
               <a:rPr lang="it-CH" smtClean="0"/>
-              <a:t>08.02.2019</a:t>
+              <a:t>26.02.2019</a:t>
             </a:fld>
             <a:endParaRPr lang="it-CH"/>
           </a:p>
@@ -6447,7 +6447,7 @@
           <a:p>
             <a:fld id="{83369F9A-B0E5-473D-85DE-5C194ADC63EA}" type="slidenum">
               <a:rPr lang="it-CH" smtClean="0"/>
-              <a:t>‹N›</a:t>
+              <a:t>‹#›</a:t>
             </a:fld>
             <a:endParaRPr lang="it-CH"/>
           </a:p>
@@ -7377,7 +7377,7 @@
           <a:p>
             <a:fld id="{03958766-373D-4E5B-8F66-8490B501128F}" type="datetimeFigureOut">
               <a:rPr lang="it-CH" smtClean="0"/>
-              <a:t>08.02.2019</a:t>
+              <a:t>26.02.2019</a:t>
             </a:fld>
             <a:endParaRPr lang="it-CH"/>
           </a:p>
@@ -7455,7 +7455,7 @@
           <a:p>
             <a:fld id="{83369F9A-B0E5-473D-85DE-5C194ADC63EA}" type="slidenum">
               <a:rPr lang="it-CH" smtClean="0"/>
-              <a:t>‹N›</a:t>
+              <a:t>‹#›</a:t>
             </a:fld>
             <a:endParaRPr lang="it-CH"/>
           </a:p>
@@ -7588,7 +7588,7 @@
           <a:p>
             <a:fld id="{03958766-373D-4E5B-8F66-8490B501128F}" type="datetimeFigureOut">
               <a:rPr lang="it-CH" smtClean="0"/>
-              <a:t>08.02.2019</a:t>
+              <a:t>26.02.2019</a:t>
             </a:fld>
             <a:endParaRPr lang="it-CH"/>
           </a:p>
@@ -7630,7 +7630,7 @@
           <a:p>
             <a:fld id="{83369F9A-B0E5-473D-85DE-5C194ADC63EA}" type="slidenum">
               <a:rPr lang="it-CH" smtClean="0"/>
-              <a:t>‹N›</a:t>
+              <a:t>‹#›</a:t>
             </a:fld>
             <a:endParaRPr lang="it-CH"/>
           </a:p>
@@ -8622,7 +8622,7 @@
           <a:p>
             <a:fld id="{03958766-373D-4E5B-8F66-8490B501128F}" type="datetimeFigureOut">
               <a:rPr lang="it-CH" smtClean="0"/>
-              <a:t>08.02.2019</a:t>
+              <a:t>26.02.2019</a:t>
             </a:fld>
             <a:endParaRPr lang="it-CH"/>
           </a:p>
@@ -8700,7 +8700,7 @@
           <a:p>
             <a:fld id="{83369F9A-B0E5-473D-85DE-5C194ADC63EA}" type="slidenum">
               <a:rPr lang="it-CH" smtClean="0"/>
-              <a:t>‹N›</a:t>
+              <a:t>‹#›</a:t>
             </a:fld>
             <a:endParaRPr lang="it-CH"/>
           </a:p>
@@ -8894,7 +8894,7 @@
           <a:p>
             <a:fld id="{03958766-373D-4E5B-8F66-8490B501128F}" type="datetimeFigureOut">
               <a:rPr lang="it-CH" smtClean="0"/>
-              <a:t>08.02.2019</a:t>
+              <a:t>26.02.2019</a:t>
             </a:fld>
             <a:endParaRPr lang="it-CH"/>
           </a:p>
@@ -8936,7 +8936,7 @@
           <a:p>
             <a:fld id="{83369F9A-B0E5-473D-85DE-5C194ADC63EA}" type="slidenum">
               <a:rPr lang="it-CH" smtClean="0"/>
-              <a:t>‹N›</a:t>
+              <a:t>‹#›</a:t>
             </a:fld>
             <a:endParaRPr lang="it-CH"/>
           </a:p>
@@ -9304,7 +9304,7 @@
           <a:p>
             <a:fld id="{03958766-373D-4E5B-8F66-8490B501128F}" type="datetimeFigureOut">
               <a:rPr lang="it-CH" smtClean="0"/>
-              <a:t>08.02.2019</a:t>
+              <a:t>26.02.2019</a:t>
             </a:fld>
             <a:endParaRPr lang="it-CH"/>
           </a:p>
@@ -9346,7 +9346,7 @@
           <a:p>
             <a:fld id="{83369F9A-B0E5-473D-85DE-5C194ADC63EA}" type="slidenum">
               <a:rPr lang="it-CH" smtClean="0"/>
-              <a:t>‹N›</a:t>
+              <a:t>‹#›</a:t>
             </a:fld>
             <a:endParaRPr lang="it-CH"/>
           </a:p>
@@ -9431,7 +9431,7 @@
           <a:p>
             <a:fld id="{03958766-373D-4E5B-8F66-8490B501128F}" type="datetimeFigureOut">
               <a:rPr lang="it-CH" smtClean="0"/>
-              <a:t>08.02.2019</a:t>
+              <a:t>26.02.2019</a:t>
             </a:fld>
             <a:endParaRPr lang="it-CH"/>
           </a:p>
@@ -9473,7 +9473,7 @@
           <a:p>
             <a:fld id="{83369F9A-B0E5-473D-85DE-5C194ADC63EA}" type="slidenum">
               <a:rPr lang="it-CH" smtClean="0"/>
-              <a:t>‹N›</a:t>
+              <a:t>‹#›</a:t>
             </a:fld>
             <a:endParaRPr lang="it-CH"/>
           </a:p>
@@ -9526,7 +9526,7 @@
           <a:p>
             <a:fld id="{03958766-373D-4E5B-8F66-8490B501128F}" type="datetimeFigureOut">
               <a:rPr lang="it-CH" smtClean="0"/>
-              <a:t>08.02.2019</a:t>
+              <a:t>26.02.2019</a:t>
             </a:fld>
             <a:endParaRPr lang="it-CH"/>
           </a:p>
@@ -9604,7 +9604,7 @@
           <a:p>
             <a:fld id="{83369F9A-B0E5-473D-85DE-5C194ADC63EA}" type="slidenum">
               <a:rPr lang="it-CH" smtClean="0"/>
-              <a:t>‹N›</a:t>
+              <a:t>‹#›</a:t>
             </a:fld>
             <a:endParaRPr lang="it-CH"/>
           </a:p>
@@ -10607,7 +10607,7 @@
           <a:p>
             <a:fld id="{03958766-373D-4E5B-8F66-8490B501128F}" type="datetimeFigureOut">
               <a:rPr lang="it-CH" smtClean="0"/>
-              <a:t>08.02.2019</a:t>
+              <a:t>26.02.2019</a:t>
             </a:fld>
             <a:endParaRPr lang="it-CH"/>
           </a:p>
@@ -10685,7 +10685,7 @@
           <a:p>
             <a:fld id="{83369F9A-B0E5-473D-85DE-5C194ADC63EA}" type="slidenum">
               <a:rPr lang="it-CH" smtClean="0"/>
-              <a:t>‹N›</a:t>
+              <a:t>‹#›</a:t>
             </a:fld>
             <a:endParaRPr lang="it-CH"/>
           </a:p>
@@ -11715,7 +11715,7 @@
           <a:p>
             <a:fld id="{03958766-373D-4E5B-8F66-8490B501128F}" type="datetimeFigureOut">
               <a:rPr lang="it-CH" smtClean="0"/>
-              <a:t>08.02.2019</a:t>
+              <a:t>26.02.2019</a:t>
             </a:fld>
             <a:endParaRPr lang="it-CH"/>
           </a:p>
@@ -11793,7 +11793,7 @@
           <a:p>
             <a:fld id="{83369F9A-B0E5-473D-85DE-5C194ADC63EA}" type="slidenum">
               <a:rPr lang="it-CH" smtClean="0"/>
-              <a:t>‹N›</a:t>
+              <a:t>‹#›</a:t>
             </a:fld>
             <a:endParaRPr lang="it-CH"/>
           </a:p>
@@ -12712,7 +12712,7 @@
           <a:p>
             <a:fld id="{03958766-373D-4E5B-8F66-8490B501128F}" type="datetimeFigureOut">
               <a:rPr lang="it-CH" smtClean="0"/>
-              <a:t>08.02.2019</a:t>
+              <a:t>26.02.2019</a:t>
             </a:fld>
             <a:endParaRPr lang="it-CH"/>
           </a:p>
@@ -12822,7 +12822,7 @@
           <a:p>
             <a:fld id="{83369F9A-B0E5-473D-85DE-5C194ADC63EA}" type="slidenum">
               <a:rPr lang="it-CH" smtClean="0"/>
-              <a:t>‹N›</a:t>
+              <a:t>‹#›</a:t>
             </a:fld>
             <a:endParaRPr lang="it-CH"/>
           </a:p>
@@ -13281,7 +13281,12 @@
             <p:ph type="ctrTitle"/>
           </p:nvPr>
         </p:nvSpPr>
-        <p:spPr/>
+        <p:spPr>
+          <a:xfrm>
+            <a:off x="1154955" y="2099733"/>
+            <a:ext cx="8825658" cy="2677648"/>
+          </a:xfrm>
+        </p:spPr>
         <p:txBody>
           <a:bodyPr>
             <a:normAutofit/>
@@ -13306,26 +13311,34 @@
             <p:ph type="subTitle" idx="1"/>
           </p:nvPr>
         </p:nvSpPr>
-        <p:spPr/>
+        <p:spPr>
+          <a:xfrm>
+            <a:off x="1154955" y="4777381"/>
+            <a:ext cx="9576776" cy="861420"/>
+          </a:xfrm>
+        </p:spPr>
         <p:txBody>
           <a:bodyPr/>
           <a:lstStyle/>
           <a:p>
             <a:r>
               <a:rPr lang="it-CH" dirty="0" smtClean="0"/>
-              <a:t>Librerie per Arduino </a:t>
-            </a:r>
-            <a:r>
-              <a:rPr lang="it-CH" dirty="0" err="1" smtClean="0"/>
-              <a:t>DigiSpark</a:t>
-            </a:r>
-            <a:endParaRPr lang="it-CH" dirty="0" smtClean="0"/>
+              <a:t> Librerie </a:t>
+            </a:r>
+            <a:r>
+              <a:rPr lang="it-CH" dirty="0" smtClean="0"/>
+              <a:t>per Arduino DigiSpark</a:t>
+            </a:r>
           </a:p>
           <a:p>
             <a:pPr algn="r"/>
             <a:r>
               <a:rPr lang="it-CH" dirty="0" smtClean="0"/>
-              <a:t>M. Ruberto &amp; M. </a:t>
+              <a:t>				            M</a:t>
+            </a:r>
+            <a:r>
+              <a:rPr lang="it-CH" dirty="0" smtClean="0"/>
+              <a:t>. Ruberto &amp; M. </a:t>
             </a:r>
             <a:r>
               <a:rPr lang="it-CH" dirty="0" err="1" smtClean="0"/>
@@ -13789,11 +13802,7 @@
           <a:p>
             <a:r>
               <a:rPr lang="it-CH" sz="2400" dirty="0" smtClean="0"/>
-              <a:t>Test</a:t>
-            </a:r>
-            <a:r>
-              <a:rPr lang="it-CH" sz="2400" dirty="0" smtClean="0"/>
-              <a:t>;</a:t>
+              <a:t>Test;</a:t>
             </a:r>
           </a:p>
           <a:p>
@@ -14268,11 +14277,7 @@
           <a:p>
             <a:r>
               <a:rPr lang="it-CH" dirty="0" smtClean="0"/>
-              <a:t>Libreria Led </a:t>
-            </a:r>
-            <a:r>
-              <a:rPr lang="it-CH" dirty="0" smtClean="0"/>
-              <a:t>RGB</a:t>
+              <a:t>Libreria Led RGB</a:t>
             </a:r>
             <a:endParaRPr lang="en-US" dirty="0"/>
           </a:p>
@@ -14305,7 +14310,6 @@
               <a:rPr lang="it-IT" dirty="0" smtClean="0"/>
               <a:t>Attributi:</a:t>
             </a:r>
-            <a:endParaRPr lang="it-IT" dirty="0" smtClean="0"/>
           </a:p>
           <a:p>
             <a:pPr lvl="1"/>
